--- a/Sprint1.pptx
+++ b/Sprint1.pptx
@@ -5,7 +5,7 @@
     <p:sldMasterId id="2147483767" r:id="rId1"/>
   </p:sldMasterIdLst>
   <p:notesMasterIdLst>
-    <p:notesMasterId r:id="rId13"/>
+    <p:notesMasterId r:id="rId14"/>
   </p:notesMasterIdLst>
   <p:sldIdLst>
     <p:sldId id="256" r:id="rId2"/>
@@ -17,8 +17,9 @@
     <p:sldId id="271" r:id="rId8"/>
     <p:sldId id="277" r:id="rId9"/>
     <p:sldId id="287" r:id="rId10"/>
-    <p:sldId id="262" r:id="rId11"/>
-    <p:sldId id="261" r:id="rId12"/>
+    <p:sldId id="288" r:id="rId11"/>
+    <p:sldId id="262" r:id="rId12"/>
+    <p:sldId id="261" r:id="rId13"/>
   </p:sldIdLst>
   <p:sldSz cx="9144000" cy="6858000" type="screen4x3"/>
   <p:notesSz cx="6858000" cy="9144000"/>
@@ -207,7 +208,7 @@
           <a:p>
             <a:fld id="{B646C93E-002B-422E-B06C-4958AFFED467}" type="datetimeFigureOut">
               <a:rPr lang="nl-BE" smtClean="0"/>
-              <a:t>6/03/2016</a:t>
+              <a:t>7/03/2016</a:t>
             </a:fld>
             <a:endParaRPr lang="nl-BE"/>
           </a:p>
@@ -366,7 +367,7 @@
           <a:p>
             <a:fld id="{4D1E7634-69C1-4F8B-8172-0A2256344EAB}" type="slidenum">
               <a:rPr lang="nl-BE" smtClean="0"/>
-              <a:t>‹nr.›</a:t>
+              <a:t>‹#›</a:t>
             </a:fld>
             <a:endParaRPr lang="nl-BE"/>
           </a:p>
@@ -627,15 +628,7 @@
           <a:p>
             <a:r>
               <a:rPr lang="nl-BE" baseline="0" dirty="0" smtClean="0"/>
-              <a:t>	</a:t>
-            </a:r>
-            <a:r>
-              <a:rPr lang="nl-BE" baseline="0" smtClean="0"/>
-              <a:t>*wijzigen van </a:t>
-            </a:r>
-            <a:r>
-              <a:rPr lang="nl-BE" baseline="0" dirty="0" smtClean="0"/>
-              <a:t>API-</a:t>
+              <a:t>	*wijzigen van API-</a:t>
             </a:r>
             <a:r>
               <a:rPr lang="nl-BE" baseline="0" dirty="0" err="1" smtClean="0"/>
@@ -645,7 +638,6 @@
               <a:rPr lang="nl-BE" baseline="0" dirty="0" smtClean="0"/>
               <a:t>?</a:t>
             </a:r>
-            <a:endParaRPr lang="nl-BE" baseline="0" dirty="0" smtClean="0"/>
           </a:p>
         </p:txBody>
       </p:sp>
@@ -666,7 +658,7 @@
           <a:p>
             <a:fld id="{4D1E7634-69C1-4F8B-8172-0A2256344EAB}" type="slidenum">
               <a:rPr lang="nl-BE" smtClean="0"/>
-              <a:t>10</a:t>
+              <a:t>11</a:t>
             </a:fld>
             <a:endParaRPr lang="nl-BE"/>
           </a:p>
@@ -755,7 +747,7 @@
           <a:p>
             <a:fld id="{4D1E7634-69C1-4F8B-8172-0A2256344EAB}" type="slidenum">
               <a:rPr lang="nl-BE" smtClean="0"/>
-              <a:t>11</a:t>
+              <a:t>12</a:t>
             </a:fld>
             <a:endParaRPr lang="nl-BE"/>
           </a:p>
@@ -1461,18 +1453,6 @@
           <a:bodyPr/>
           <a:lstStyle/>
           <a:p>
-            <a:r>
-              <a:rPr lang="nl-BE" dirty="0" smtClean="0"/>
-              <a:t>En dat we ervoor kiezen om API te gebruiken </a:t>
-            </a:r>
-            <a:r>
-              <a:rPr lang="nl-BE" dirty="0" err="1" smtClean="0"/>
-              <a:t>ipv</a:t>
-            </a:r>
-            <a:r>
-              <a:rPr lang="nl-BE" dirty="0" smtClean="0"/>
-              <a:t> scrapen</a:t>
-            </a:r>
             <a:endParaRPr lang="nl-BE" dirty="0"/>
           </a:p>
         </p:txBody>
@@ -1701,7 +1681,7 @@
           <a:p>
             <a:fld id="{3B56552A-A423-4DEA-8814-987ABAD7CB5A}" type="datetime1">
               <a:rPr lang="nl-BE" smtClean="0"/>
-              <a:t>6/03/2016</a:t>
+              <a:t>7/03/2016</a:t>
             </a:fld>
             <a:endParaRPr lang="nl-BE"/>
           </a:p>
@@ -1824,7 +1804,7 @@
           <a:p>
             <a:fld id="{7F1132D7-42C0-4361-9E09-319D013DEE8D}" type="slidenum">
               <a:rPr lang="nl-BE" smtClean="0"/>
-              <a:t>‹nr.›</a:t>
+              <a:t>‹#›</a:t>
             </a:fld>
             <a:endParaRPr lang="nl-BE"/>
           </a:p>
@@ -2033,7 +2013,7 @@
           <a:p>
             <a:fld id="{437C149B-C6A1-42FF-A25D-7DB99A8656B8}" type="datetime1">
               <a:rPr lang="nl-BE" smtClean="0"/>
-              <a:t>6/03/2016</a:t>
+              <a:t>7/03/2016</a:t>
             </a:fld>
             <a:endParaRPr lang="nl-BE"/>
           </a:p>
@@ -2160,7 +2140,7 @@
           <a:p>
             <a:fld id="{7F1132D7-42C0-4361-9E09-319D013DEE8D}" type="slidenum">
               <a:rPr lang="nl-BE" smtClean="0"/>
-              <a:t>‹nr.›</a:t>
+              <a:t>‹#›</a:t>
             </a:fld>
             <a:endParaRPr lang="nl-BE"/>
           </a:p>
@@ -2432,7 +2412,7 @@
           <a:p>
             <a:fld id="{F2DFA47E-B16D-4A05-8297-D408EFF4B632}" type="datetime1">
               <a:rPr lang="nl-BE" smtClean="0"/>
-              <a:t>6/03/2016</a:t>
+              <a:t>7/03/2016</a:t>
             </a:fld>
             <a:endParaRPr lang="nl-BE"/>
           </a:p>
@@ -2559,7 +2539,7 @@
           <a:p>
             <a:fld id="{7F1132D7-42C0-4361-9E09-319D013DEE8D}" type="slidenum">
               <a:rPr lang="nl-BE" smtClean="0"/>
-              <a:t>‹nr.›</a:t>
+              <a:t>‹#›</a:t>
             </a:fld>
             <a:endParaRPr lang="nl-BE"/>
           </a:p>
@@ -2766,7 +2746,7 @@
           <a:p>
             <a:fld id="{853ED041-AE56-4ED5-9BCC-DA91DE637785}" type="datetime1">
               <a:rPr lang="nl-BE" smtClean="0"/>
-              <a:t>6/03/2016</a:t>
+              <a:t>7/03/2016</a:t>
             </a:fld>
             <a:endParaRPr lang="nl-BE"/>
           </a:p>
@@ -2893,7 +2873,7 @@
           <a:p>
             <a:fld id="{7F1132D7-42C0-4361-9E09-319D013DEE8D}" type="slidenum">
               <a:rPr lang="nl-BE" smtClean="0"/>
-              <a:t>‹nr.›</a:t>
+              <a:t>‹#›</a:t>
             </a:fld>
             <a:endParaRPr lang="nl-BE"/>
           </a:p>
@@ -3084,7 +3064,7 @@
           <a:p>
             <a:fld id="{2927293B-E7C3-4550-9DE6-65E60E353829}" type="datetime1">
               <a:rPr lang="nl-BE" smtClean="0"/>
-              <a:t>6/03/2016</a:t>
+              <a:t>7/03/2016</a:t>
             </a:fld>
             <a:endParaRPr lang="nl-BE"/>
           </a:p>
@@ -3211,7 +3191,7 @@
           <a:p>
             <a:fld id="{7F1132D7-42C0-4361-9E09-319D013DEE8D}" type="slidenum">
               <a:rPr lang="nl-BE" smtClean="0"/>
-              <a:t>‹nr.›</a:t>
+              <a:t>‹#›</a:t>
             </a:fld>
             <a:endParaRPr lang="nl-BE"/>
           </a:p>
@@ -3479,7 +3459,7 @@
           <a:p>
             <a:fld id="{2927293B-E7C3-4550-9DE6-65E60E353829}" type="datetime1">
               <a:rPr lang="nl-BE" smtClean="0"/>
-              <a:t>6/03/2016</a:t>
+              <a:t>7/03/2016</a:t>
             </a:fld>
             <a:endParaRPr lang="nl-BE"/>
           </a:p>
@@ -3606,7 +3586,7 @@
           <a:p>
             <a:fld id="{7F1132D7-42C0-4361-9E09-319D013DEE8D}" type="slidenum">
               <a:rPr lang="nl-BE" smtClean="0"/>
-              <a:t>‹nr.›</a:t>
+              <a:t>‹#›</a:t>
             </a:fld>
             <a:endParaRPr lang="nl-BE"/>
           </a:p>
@@ -3735,7 +3715,7 @@
           <a:p>
             <a:fld id="{25D3AC40-7580-432F-A62A-6F6C4015E123}" type="datetime1">
               <a:rPr lang="nl-BE" smtClean="0"/>
-              <a:t>6/03/2016</a:t>
+              <a:t>7/03/2016</a:t>
             </a:fld>
             <a:endParaRPr lang="nl-BE"/>
           </a:p>
@@ -3857,7 +3837,7 @@
           <a:p>
             <a:fld id="{7F1132D7-42C0-4361-9E09-319D013DEE8D}" type="slidenum">
               <a:rPr lang="nl-BE" smtClean="0"/>
-              <a:t>‹nr.›</a:t>
+              <a:t>‹#›</a:t>
             </a:fld>
             <a:endParaRPr lang="nl-BE"/>
           </a:p>
@@ -3995,7 +3975,7 @@
           <a:p>
             <a:fld id="{A1AAFCA9-10DE-4AD8-A234-BCB1F43257C9}" type="datetime1">
               <a:rPr lang="nl-BE" smtClean="0"/>
-              <a:t>6/03/2016</a:t>
+              <a:t>7/03/2016</a:t>
             </a:fld>
             <a:endParaRPr lang="nl-BE"/>
           </a:p>
@@ -4117,7 +4097,7 @@
           <a:p>
             <a:fld id="{7F1132D7-42C0-4361-9E09-319D013DEE8D}" type="slidenum">
               <a:rPr lang="nl-BE" smtClean="0"/>
-              <a:t>‹nr.›</a:t>
+              <a:t>‹#›</a:t>
             </a:fld>
             <a:endParaRPr lang="nl-BE"/>
           </a:p>
@@ -4255,7 +4235,7 @@
           <a:p>
             <a:fld id="{793E6EEF-CE9E-42AB-95AD-5F9B52EFC277}" type="datetime1">
               <a:rPr lang="nl-BE" smtClean="0"/>
-              <a:t>6/03/2016</a:t>
+              <a:t>7/03/2016</a:t>
             </a:fld>
             <a:endParaRPr lang="nl-BE"/>
           </a:p>
@@ -4377,7 +4357,7 @@
           <a:p>
             <a:fld id="{7F1132D7-42C0-4361-9E09-319D013DEE8D}" type="slidenum">
               <a:rPr lang="nl-BE" smtClean="0"/>
-              <a:t>‹nr.›</a:t>
+              <a:t>‹#›</a:t>
             </a:fld>
             <a:endParaRPr lang="nl-BE"/>
           </a:p>
@@ -4582,7 +4562,7 @@
           <a:p>
             <a:fld id="{666CC713-886F-442D-9B99-76CA3A79D367}" type="datetime1">
               <a:rPr lang="nl-BE" smtClean="0"/>
-              <a:t>6/03/2016</a:t>
+              <a:t>7/03/2016</a:t>
             </a:fld>
             <a:endParaRPr lang="nl-BE"/>
           </a:p>
@@ -4709,7 +4689,7 @@
           <a:p>
             <a:fld id="{7F1132D7-42C0-4361-9E09-319D013DEE8D}" type="slidenum">
               <a:rPr lang="nl-BE" smtClean="0"/>
-              <a:t>‹nr.›</a:t>
+              <a:t>‹#›</a:t>
             </a:fld>
             <a:endParaRPr lang="nl-BE"/>
           </a:p>
@@ -4903,7 +4883,7 @@
           <a:p>
             <a:fld id="{8C828718-23A0-4FA6-B802-2B34C4B243C0}" type="datetime1">
               <a:rPr lang="nl-BE" smtClean="0"/>
-              <a:t>6/03/2016</a:t>
+              <a:t>7/03/2016</a:t>
             </a:fld>
             <a:endParaRPr lang="nl-BE"/>
           </a:p>
@@ -5030,7 +5010,7 @@
           <a:p>
             <a:fld id="{7F1132D7-42C0-4361-9E09-319D013DEE8D}" type="slidenum">
               <a:rPr lang="nl-BE" smtClean="0"/>
-              <a:t>‹nr.›</a:t>
+              <a:t>‹#›</a:t>
             </a:fld>
             <a:endParaRPr lang="nl-BE"/>
           </a:p>
@@ -5358,7 +5338,7 @@
           <a:p>
             <a:fld id="{5CE31EA1-A0CF-47FA-9CEE-38CF082F22D7}" type="datetime1">
               <a:rPr lang="nl-BE" smtClean="0"/>
-              <a:t>6/03/2016</a:t>
+              <a:t>7/03/2016</a:t>
             </a:fld>
             <a:endParaRPr lang="nl-BE"/>
           </a:p>
@@ -5485,7 +5465,7 @@
           <a:p>
             <a:fld id="{7F1132D7-42C0-4361-9E09-319D013DEE8D}" type="slidenum">
               <a:rPr lang="nl-BE" smtClean="0"/>
-              <a:t>‹nr.›</a:t>
+              <a:t>‹#›</a:t>
             </a:fld>
             <a:endParaRPr lang="nl-BE"/>
           </a:p>
@@ -5566,7 +5546,7 @@
           <a:p>
             <a:fld id="{5B9B8475-3D9B-4D79-B7B2-E0DC68A8C6E2}" type="datetime1">
               <a:rPr lang="nl-BE" smtClean="0"/>
-              <a:t>6/03/2016</a:t>
+              <a:t>7/03/2016</a:t>
             </a:fld>
             <a:endParaRPr lang="nl-BE"/>
           </a:p>
@@ -5688,7 +5668,7 @@
           <a:p>
             <a:fld id="{7F1132D7-42C0-4361-9E09-319D013DEE8D}" type="slidenum">
               <a:rPr lang="nl-BE" smtClean="0"/>
-              <a:t>‹nr.›</a:t>
+              <a:t>‹#›</a:t>
             </a:fld>
             <a:endParaRPr lang="nl-BE"/>
           </a:p>
@@ -5741,7 +5721,7 @@
           <a:p>
             <a:fld id="{33468E7D-8546-4381-BDFC-32635D47DA3D}" type="datetime1">
               <a:rPr lang="nl-BE" smtClean="0"/>
-              <a:t>6/03/2016</a:t>
+              <a:t>7/03/2016</a:t>
             </a:fld>
             <a:endParaRPr lang="nl-BE"/>
           </a:p>
@@ -5863,7 +5843,7 @@
           <a:p>
             <a:fld id="{7F1132D7-42C0-4361-9E09-319D013DEE8D}" type="slidenum">
               <a:rPr lang="nl-BE" smtClean="0"/>
-              <a:t>‹nr.›</a:t>
+              <a:t>‹#›</a:t>
             </a:fld>
             <a:endParaRPr lang="nl-BE"/>
           </a:p>
@@ -6072,7 +6052,7 @@
           <a:p>
             <a:fld id="{4926CAD3-17AA-4E9C-A5BA-58233F3BF7A0}" type="datetime1">
               <a:rPr lang="nl-BE" smtClean="0"/>
-              <a:t>6/03/2016</a:t>
+              <a:t>7/03/2016</a:t>
             </a:fld>
             <a:endParaRPr lang="nl-BE"/>
           </a:p>
@@ -6194,7 +6174,7 @@
           <a:p>
             <a:fld id="{7F1132D7-42C0-4361-9E09-319D013DEE8D}" type="slidenum">
               <a:rPr lang="nl-BE" smtClean="0"/>
-              <a:t>‹nr.›</a:t>
+              <a:t>‹#›</a:t>
             </a:fld>
             <a:endParaRPr lang="nl-BE"/>
           </a:p>
@@ -6415,7 +6395,7 @@
           <a:p>
             <a:fld id="{D00752F5-8691-48E5-BA0D-1C6C0EF1C408}" type="datetime1">
               <a:rPr lang="nl-BE" smtClean="0"/>
-              <a:t>6/03/2016</a:t>
+              <a:t>7/03/2016</a:t>
             </a:fld>
             <a:endParaRPr lang="nl-BE"/>
           </a:p>
@@ -6542,7 +6522,7 @@
           <a:p>
             <a:fld id="{7F1132D7-42C0-4361-9E09-319D013DEE8D}" type="slidenum">
               <a:rPr lang="nl-BE" smtClean="0"/>
-              <a:t>‹nr.›</a:t>
+              <a:t>‹#›</a:t>
             </a:fld>
             <a:endParaRPr lang="nl-BE"/>
           </a:p>
@@ -8530,7 +8510,7 @@
           <a:p>
             <a:fld id="{2927293B-E7C3-4550-9DE6-65E60E353829}" type="datetime1">
               <a:rPr lang="nl-BE" smtClean="0"/>
-              <a:t>6/03/2016</a:t>
+              <a:t>7/03/2016</a:t>
             </a:fld>
             <a:endParaRPr lang="nl-BE"/>
           </a:p>
@@ -8606,7 +8586,7 @@
           <a:p>
             <a:fld id="{7F1132D7-42C0-4361-9E09-319D013DEE8D}" type="slidenum">
               <a:rPr lang="nl-BE" smtClean="0"/>
-              <a:t>‹nr.›</a:t>
+              <a:t>‹#›</a:t>
             </a:fld>
             <a:endParaRPr lang="nl-BE"/>
           </a:p>
@@ -9197,6 +9177,180 @@
       </p:grpSpPr>
       <p:sp>
         <p:nvSpPr>
+          <p:cNvPr id="6" name="Title 5"/>
+          <p:cNvSpPr>
+            <a:spLocks noGrp="1"/>
+          </p:cNvSpPr>
+          <p:nvPr>
+            <p:ph type="title"/>
+          </p:nvPr>
+        </p:nvSpPr>
+        <p:spPr/>
+        <p:txBody>
+          <a:bodyPr/>
+          <a:lstStyle/>
+          <a:p>
+            <a:r>
+              <a:rPr lang="nl-BE" dirty="0"/>
+              <a:t>De status van het project – </a:t>
+            </a:r>
+            <a:r>
+              <a:rPr lang="nl-BE" dirty="0" err="1" smtClean="0"/>
+              <a:t>Frontend</a:t>
+            </a:r>
+            <a:endParaRPr lang="nl-BE" dirty="0"/>
+          </a:p>
+        </p:txBody>
+      </p:sp>
+      <p:sp>
+        <p:nvSpPr>
+          <p:cNvPr id="7" name="Content Placeholder 6"/>
+          <p:cNvSpPr>
+            <a:spLocks noGrp="1"/>
+          </p:cNvSpPr>
+          <p:nvPr>
+            <p:ph sz="half" idx="1"/>
+          </p:nvPr>
+        </p:nvSpPr>
+        <p:spPr/>
+        <p:txBody>
+          <a:bodyPr/>
+          <a:lstStyle/>
+          <a:p>
+            <a:r>
+              <a:rPr lang="en-US" dirty="0" smtClean="0"/>
+              <a:t>Spring</a:t>
+            </a:r>
+          </a:p>
+          <a:p>
+            <a:pPr lvl="1"/>
+            <a:r>
+              <a:rPr lang="en-US" dirty="0" err="1" smtClean="0"/>
+              <a:t>Eenvoudige</a:t>
+            </a:r>
+            <a:r>
+              <a:rPr lang="en-US" dirty="0" smtClean="0"/>
+              <a:t> GUI</a:t>
+            </a:r>
+          </a:p>
+          <a:p>
+            <a:pPr lvl="1"/>
+            <a:r>
+              <a:rPr lang="en-US" dirty="0" err="1" smtClean="0"/>
+              <a:t>Huidige</a:t>
+            </a:r>
+            <a:r>
+              <a:rPr lang="en-US" dirty="0" smtClean="0"/>
+              <a:t> </a:t>
+            </a:r>
+            <a:r>
+              <a:rPr lang="en-US" dirty="0" err="1" smtClean="0"/>
+              <a:t>reistijd</a:t>
+            </a:r>
+            <a:r>
+              <a:rPr lang="en-US" dirty="0" smtClean="0"/>
+              <a:t> vs </a:t>
+            </a:r>
+            <a:r>
+              <a:rPr lang="en-US" dirty="0" err="1" smtClean="0"/>
+              <a:t>optimale</a:t>
+            </a:r>
+            <a:r>
+              <a:rPr lang="en-US" dirty="0" smtClean="0"/>
+              <a:t> </a:t>
+            </a:r>
+            <a:r>
+              <a:rPr lang="en-US" dirty="0" err="1" smtClean="0"/>
+              <a:t>reistijd</a:t>
+            </a:r>
+            <a:endParaRPr lang="nl-BE" dirty="0"/>
+          </a:p>
+        </p:txBody>
+      </p:sp>
+      <p:pic>
+        <p:nvPicPr>
+          <p:cNvPr id="9" name="Content Placeholder 8"/>
+          <p:cNvPicPr>
+            <a:picLocks noGrp="1" noChangeAspect="1"/>
+          </p:cNvPicPr>
+          <p:nvPr>
+            <p:ph sz="half" idx="2"/>
+          </p:nvPr>
+        </p:nvPicPr>
+        <p:blipFill>
+          <a:blip r:embed="rId2" cstate="print">
+            <a:extLst>
+              <a:ext uri="{28A0092B-C50C-407E-A947-70E740481C1C}">
+                <a14:useLocalDpi xmlns:a14="http://schemas.microsoft.com/office/drawing/2010/main" val="0"/>
+              </a:ext>
+            </a:extLst>
+          </a:blip>
+          <a:stretch>
+            <a:fillRect/>
+          </a:stretch>
+        </p:blipFill>
+        <p:spPr>
+          <a:xfrm>
+            <a:off x="5337175" y="2807052"/>
+            <a:ext cx="3197225" cy="2426584"/>
+          </a:xfrm>
+        </p:spPr>
+      </p:pic>
+      <p:sp>
+        <p:nvSpPr>
+          <p:cNvPr id="5" name="Slide Number Placeholder 4"/>
+          <p:cNvSpPr>
+            <a:spLocks noGrp="1"/>
+          </p:cNvSpPr>
+          <p:nvPr>
+            <p:ph type="sldNum" sz="quarter" idx="12"/>
+          </p:nvPr>
+        </p:nvSpPr>
+        <p:spPr/>
+        <p:txBody>
+          <a:bodyPr/>
+          <a:lstStyle/>
+          <a:p>
+            <a:fld id="{7F1132D7-42C0-4361-9E09-319D013DEE8D}" type="slidenum">
+              <a:rPr lang="nl-BE" smtClean="0"/>
+              <a:t>10</a:t>
+            </a:fld>
+            <a:endParaRPr lang="nl-BE"/>
+          </a:p>
+        </p:txBody>
+      </p:sp>
+    </p:spTree>
+    <p:extLst>
+      <p:ext uri="{BB962C8B-B14F-4D97-AF65-F5344CB8AC3E}">
+        <p14:creationId xmlns:p14="http://schemas.microsoft.com/office/powerpoint/2010/main" val="4244123470"/>
+      </p:ext>
+    </p:extLst>
+  </p:cSld>
+  <p:clrMapOvr>
+    <a:masterClrMapping/>
+  </p:clrMapOvr>
+</p:sld>
+</file>
+
+<file path=ppt/slides/slide11.xml><?xml version="1.0" encoding="utf-8"?>
+<p:sld xmlns:a="http://schemas.openxmlformats.org/drawingml/2006/main" xmlns:r="http://schemas.openxmlformats.org/officeDocument/2006/relationships" xmlns:p="http://schemas.openxmlformats.org/presentationml/2006/main">
+  <p:cSld>
+    <p:spTree>
+      <p:nvGrpSpPr>
+        <p:cNvPr id="1" name=""/>
+        <p:cNvGrpSpPr/>
+        <p:nvPr/>
+      </p:nvGrpSpPr>
+      <p:grpSpPr>
+        <a:xfrm>
+          <a:off x="0" y="0"/>
+          <a:ext cx="0" cy="0"/>
+          <a:chOff x="0" y="0"/>
+          <a:chExt cx="0" cy="0"/>
+        </a:xfrm>
+      </p:grpSpPr>
+      <p:sp>
+        <p:nvSpPr>
           <p:cNvPr id="2" name="Titel 1"/>
           <p:cNvSpPr>
             <a:spLocks noGrp="1"/>
@@ -9250,6 +9404,18 @@
             <a:endParaRPr lang="fr-BE" sz="2400" dirty="0" smtClean="0"/>
           </a:p>
           <a:p>
+            <a:pPr lvl="1"/>
+            <a:r>
+              <a:rPr lang="fr-BE" sz="2200" dirty="0" err="1" smtClean="0"/>
+              <a:t>Meer</a:t>
+            </a:r>
+            <a:r>
+              <a:rPr lang="fr-BE" sz="2200" dirty="0" smtClean="0"/>
+              <a:t> providers</a:t>
+            </a:r>
+            <a:endParaRPr lang="fr-BE" sz="2200" dirty="0" smtClean="0"/>
+          </a:p>
+          <a:p>
             <a:r>
               <a:rPr lang="fr-BE" sz="2400" dirty="0" err="1" smtClean="0"/>
               <a:t>Implementaties</a:t>
@@ -9287,7 +9453,7 @@
           <a:p>
             <a:fld id="{7F1132D7-42C0-4361-9E09-319D013DEE8D}" type="slidenum">
               <a:rPr lang="nl-BE" smtClean="0"/>
-              <a:t>10</a:t>
+              <a:t>11</a:t>
             </a:fld>
             <a:endParaRPr lang="nl-BE"/>
           </a:p>
@@ -9313,7 +9479,7 @@
 </p:sld>
 </file>
 
-<file path=ppt/slides/slide11.xml><?xml version="1.0" encoding="utf-8"?>
+<file path=ppt/slides/slide12.xml><?xml version="1.0" encoding="utf-8"?>
 <p:sld xmlns:a="http://schemas.openxmlformats.org/drawingml/2006/main" xmlns:r="http://schemas.openxmlformats.org/officeDocument/2006/relationships" xmlns:p="http://schemas.openxmlformats.org/presentationml/2006/main">
   <p:cSld>
     <p:spTree>
@@ -9370,7 +9536,7 @@
           <a:p>
             <a:fld id="{7F1132D7-42C0-4361-9E09-319D013DEE8D}" type="slidenum">
               <a:rPr lang="nl-BE" smtClean="0"/>
-              <a:t>11</a:t>
+              <a:t>12</a:t>
             </a:fld>
             <a:endParaRPr lang="nl-BE"/>
           </a:p>
@@ -9772,15 +9938,7 @@
           <a:p>
             <a:r>
               <a:rPr lang="nl-BE" dirty="0" smtClean="0"/>
-              <a:t>De </a:t>
-            </a:r>
-            <a:r>
-              <a:rPr lang="nl-BE" dirty="0" smtClean="0"/>
-              <a:t>opdrachtgever</a:t>
-            </a:r>
-            <a:r>
-              <a:rPr lang="nl-BE" dirty="0" smtClean="0"/>
-              <a:t/>
+              <a:t>De opdrachtgever</a:t>
             </a:r>
             <a:br>
               <a:rPr lang="nl-BE" dirty="0" smtClean="0"/>
@@ -10200,7 +10358,6 @@
               <a:rPr lang="nl-BE" sz="2400" dirty="0" smtClean="0"/>
               <a:t>Compatibiliteit</a:t>
             </a:r>
-            <a:endParaRPr lang="nl-BE" sz="2400" dirty="0" smtClean="0"/>
           </a:p>
           <a:p>
             <a:endParaRPr lang="nl-BE" sz="2400" dirty="0"/>
@@ -10284,11 +10441,7 @@
           <a:p>
             <a:r>
               <a:rPr lang="fr-BE" dirty="0" smtClean="0"/>
-              <a:t>De </a:t>
-            </a:r>
-            <a:r>
-              <a:rPr lang="fr-BE" dirty="0" smtClean="0"/>
-              <a:t>analyse - providers</a:t>
+              <a:t>De analyse - providers</a:t>
             </a:r>
             <a:endParaRPr lang="fr-BE" dirty="0"/>
           </a:p>
@@ -11425,12 +11578,91 @@
           <a:p>
             <a:r>
               <a:rPr lang="nl-BE" dirty="0" smtClean="0"/>
-              <a:t>De </a:t>
+              <a:t>De status van het project – </a:t>
             </a:r>
             <a:r>
               <a:rPr lang="nl-BE" dirty="0" smtClean="0"/>
-              <a:t>status van het project – database</a:t>
-            </a:r>
+              <a:t>Database</a:t>
+            </a:r>
+            <a:endParaRPr lang="nl-BE" dirty="0"/>
+          </a:p>
+        </p:txBody>
+      </p:sp>
+      <p:sp>
+        <p:nvSpPr>
+          <p:cNvPr id="3" name="Content Placeholder 2"/>
+          <p:cNvSpPr>
+            <a:spLocks noGrp="1"/>
+          </p:cNvSpPr>
+          <p:nvPr>
+            <p:ph sz="half" idx="1"/>
+          </p:nvPr>
+        </p:nvSpPr>
+        <p:spPr/>
+        <p:txBody>
+          <a:bodyPr/>
+          <a:lstStyle/>
+          <a:p>
+            <a:r>
+              <a:rPr lang="en-US" dirty="0" err="1" smtClean="0"/>
+              <a:t>MariaDB</a:t>
+            </a:r>
+            <a:endParaRPr lang="en-US" dirty="0" smtClean="0"/>
+          </a:p>
+          <a:p>
+            <a:pPr lvl="1"/>
+            <a:r>
+              <a:rPr lang="en-US" dirty="0" err="1" smtClean="0"/>
+              <a:t>Traject</a:t>
+            </a:r>
+            <a:endParaRPr lang="en-US" dirty="0" smtClean="0"/>
+          </a:p>
+          <a:p>
+            <a:pPr lvl="1"/>
+            <a:r>
+              <a:rPr lang="en-US" dirty="0" smtClean="0"/>
+              <a:t>Meting</a:t>
+            </a:r>
+          </a:p>
+          <a:p>
+            <a:pPr lvl="1"/>
+            <a:r>
+              <a:rPr lang="en-US" dirty="0" smtClean="0"/>
+              <a:t>Provider</a:t>
+            </a:r>
+          </a:p>
+          <a:p>
+            <a:r>
+              <a:rPr lang="en-US" dirty="0" err="1" smtClean="0"/>
+              <a:t>Huidige</a:t>
+            </a:r>
+            <a:r>
+              <a:rPr lang="en-US" dirty="0" smtClean="0"/>
+              <a:t> providers</a:t>
+            </a:r>
+          </a:p>
+          <a:p>
+            <a:pPr lvl="1"/>
+            <a:r>
+              <a:rPr lang="en-US" dirty="0" smtClean="0"/>
+              <a:t>Google Maps</a:t>
+            </a:r>
+          </a:p>
+          <a:p>
+            <a:pPr lvl="1"/>
+            <a:r>
+              <a:rPr lang="en-US" dirty="0" smtClean="0"/>
+              <a:t>Coyote Systems</a:t>
+            </a:r>
+          </a:p>
+          <a:p>
+            <a:pPr lvl="1"/>
+            <a:r>
+              <a:rPr lang="en-US" dirty="0" smtClean="0"/>
+              <a:t>Here</a:t>
+            </a:r>
+          </a:p>
+          <a:p>
             <a:endParaRPr lang="nl-BE" dirty="0"/>
           </a:p>
         </p:txBody>
@@ -11458,6 +11690,38 @@
           </a:p>
         </p:txBody>
       </p:sp>
+      <p:pic>
+        <p:nvPicPr>
+          <p:cNvPr id="6" name="Content Placeholder 5"/>
+          <p:cNvPicPr>
+            <a:picLocks noGrp="1"/>
+          </p:cNvPicPr>
+          <p:nvPr>
+            <p:ph sz="half" idx="2"/>
+          </p:nvPr>
+        </p:nvPicPr>
+        <p:blipFill>
+          <a:blip r:embed="rId3">
+            <a:extLst>
+              <a:ext uri="{28A0092B-C50C-407E-A947-70E740481C1C}">
+                <a14:useLocalDpi xmlns:a14="http://schemas.microsoft.com/office/drawing/2010/main" val="0"/>
+              </a:ext>
+            </a:extLst>
+          </a:blip>
+          <a:stretch>
+            <a:fillRect/>
+          </a:stretch>
+        </p:blipFill>
+        <p:spPr>
+          <a:xfrm>
+            <a:off x="5337175" y="3299767"/>
+            <a:ext cx="3197225" cy="1441153"/>
+          </a:xfrm>
+          <a:prstGeom prst="rect">
+            <a:avLst/>
+          </a:prstGeom>
+        </p:spPr>
+      </p:pic>
     </p:spTree>
     <p:extLst>
       <p:ext uri="{BB962C8B-B14F-4D97-AF65-F5344CB8AC3E}">
@@ -11514,12 +11778,73 @@
           <a:p>
             <a:r>
               <a:rPr lang="nl-BE" dirty="0" smtClean="0"/>
-              <a:t>De </a:t>
+              <a:t>De status van het project – </a:t>
             </a:r>
             <a:r>
               <a:rPr lang="nl-BE" dirty="0" smtClean="0"/>
-              <a:t>status van het project – providers</a:t>
-            </a:r>
+              <a:t>Backend</a:t>
+            </a:r>
+            <a:endParaRPr lang="nl-BE" dirty="0"/>
+          </a:p>
+        </p:txBody>
+      </p:sp>
+      <p:sp>
+        <p:nvSpPr>
+          <p:cNvPr id="9" name="Content Placeholder 8"/>
+          <p:cNvSpPr>
+            <a:spLocks noGrp="1"/>
+          </p:cNvSpPr>
+          <p:nvPr>
+            <p:ph sz="half" idx="1"/>
+          </p:nvPr>
+        </p:nvSpPr>
+        <p:spPr/>
+        <p:txBody>
+          <a:bodyPr/>
+          <a:lstStyle/>
+          <a:p>
+            <a:r>
+              <a:rPr lang="en-US" dirty="0" smtClean="0"/>
+              <a:t>Maven project</a:t>
+            </a:r>
+          </a:p>
+          <a:p>
+            <a:pPr lvl="1"/>
+            <a:r>
+              <a:rPr lang="en-US" dirty="0" err="1" smtClean="0"/>
+              <a:t>JSONController</a:t>
+            </a:r>
+            <a:r>
+              <a:rPr lang="en-US" dirty="0" smtClean="0"/>
+              <a:t> </a:t>
+            </a:r>
+            <a:r>
+              <a:rPr lang="en-US" dirty="0" err="1" smtClean="0"/>
+              <a:t>voor</a:t>
+            </a:r>
+            <a:r>
+              <a:rPr lang="en-US" dirty="0" smtClean="0"/>
+              <a:t> API calls</a:t>
+            </a:r>
+          </a:p>
+          <a:p>
+            <a:pPr lvl="1"/>
+            <a:r>
+              <a:rPr lang="en-US" dirty="0" err="1" smtClean="0"/>
+              <a:t>ScheduleController</a:t>
+            </a:r>
+            <a:endParaRPr lang="en-US" dirty="0" smtClean="0"/>
+          </a:p>
+          <a:p>
+            <a:r>
+              <a:rPr lang="en-US" dirty="0" smtClean="0"/>
+              <a:t>Glassfish server</a:t>
+            </a:r>
+          </a:p>
+          <a:p>
+            <a:endParaRPr lang="en-US" dirty="0" smtClean="0"/>
+          </a:p>
+          <a:p>
             <a:endParaRPr lang="nl-BE" dirty="0"/>
           </a:p>
         </p:txBody>
@@ -11547,6 +11872,38 @@
           </a:p>
         </p:txBody>
       </p:sp>
+      <p:pic>
+        <p:nvPicPr>
+          <p:cNvPr id="11" name="Content Placeholder 10"/>
+          <p:cNvPicPr>
+            <a:picLocks noGrp="1"/>
+          </p:cNvPicPr>
+          <p:nvPr>
+            <p:ph sz="half" idx="2"/>
+          </p:nvPr>
+        </p:nvPicPr>
+        <p:blipFill>
+          <a:blip r:embed="rId3" cstate="print">
+            <a:extLst>
+              <a:ext uri="{28A0092B-C50C-407E-A947-70E740481C1C}">
+                <a14:useLocalDpi xmlns:a14="http://schemas.microsoft.com/office/drawing/2010/main" val="0"/>
+              </a:ext>
+            </a:extLst>
+          </a:blip>
+          <a:stretch>
+            <a:fillRect/>
+          </a:stretch>
+        </p:blipFill>
+        <p:spPr>
+          <a:xfrm>
+            <a:off x="5337175" y="2572519"/>
+            <a:ext cx="3197225" cy="2895650"/>
+          </a:xfrm>
+          <a:prstGeom prst="rect">
+            <a:avLst/>
+          </a:prstGeom>
+        </p:spPr>
+      </p:pic>
     </p:spTree>
     <p:extLst>
       <p:ext uri="{BB962C8B-B14F-4D97-AF65-F5344CB8AC3E}">

--- a/Sprint1.pptx
+++ b/Sprint1.pptx
@@ -208,7 +208,7 @@
           <a:p>
             <a:fld id="{B646C93E-002B-422E-B06C-4958AFFED467}" type="datetimeFigureOut">
               <a:rPr lang="nl-BE" smtClean="0"/>
-              <a:t>7/03/2016</a:t>
+              <a:t>8/03/2016</a:t>
             </a:fld>
             <a:endParaRPr lang="nl-BE"/>
           </a:p>
@@ -367,7 +367,7 @@
           <a:p>
             <a:fld id="{4D1E7634-69C1-4F8B-8172-0A2256344EAB}" type="slidenum">
               <a:rPr lang="nl-BE" smtClean="0"/>
-              <a:t>‹#›</a:t>
+              <a:t>‹nr.›</a:t>
             </a:fld>
             <a:endParaRPr lang="nl-BE"/>
           </a:p>
@@ -525,6 +525,23 @@
           <a:bodyPr/>
           <a:lstStyle/>
           <a:p>
+            <a:r>
+              <a:rPr lang="nl-BE" dirty="0" smtClean="0"/>
+              <a:t>Tussentijdse</a:t>
+            </a:r>
+            <a:r>
+              <a:rPr lang="nl-BE" baseline="0" dirty="0" smtClean="0"/>
+              <a:t> presentatie</a:t>
+            </a:r>
+            <a:endParaRPr lang="nl-BE" dirty="0" smtClean="0"/>
+          </a:p>
+          <a:p>
+            <a:r>
+              <a:rPr lang="nl-BE" dirty="0" smtClean="0"/>
+              <a:t>Sprint 1</a:t>
+            </a:r>
+          </a:p>
+          <a:p>
             <a:endParaRPr lang="nl-BE" dirty="0" smtClean="0"/>
           </a:p>
         </p:txBody>
@@ -901,8 +918,11 @@
           <a:p>
             <a:r>
               <a:rPr lang="nl-BE" dirty="0" smtClean="0"/>
-              <a:t>Analyse</a:t>
-            </a:r>
+              <a:t>Analyse document</a:t>
+            </a:r>
+          </a:p>
+          <a:p>
+            <a:endParaRPr lang="nl-BE" dirty="0" smtClean="0"/>
           </a:p>
           <a:p>
             <a:r>
@@ -1097,6 +1117,26 @@
           <a:bodyPr/>
           <a:lstStyle/>
           <a:p>
+            <a:r>
+              <a:rPr lang="nl-BE" dirty="0" smtClean="0"/>
+              <a:t>-In en rond gent</a:t>
+            </a:r>
+          </a:p>
+          <a:p>
+            <a:r>
+              <a:rPr lang="nl-BE" dirty="0" smtClean="0"/>
+              <a:t>-resultaat van deze monitoring</a:t>
+            </a:r>
+          </a:p>
+          <a:p>
+            <a:r>
+              <a:rPr lang="nl-BE" dirty="0" smtClean="0"/>
+              <a:t>-verspreiden</a:t>
+            </a:r>
+            <a:r>
+              <a:rPr lang="nl-BE" baseline="0" dirty="0" smtClean="0"/>
+              <a:t> aan weggebruikers</a:t>
+            </a:r>
             <a:endParaRPr lang="nl-BE" dirty="0"/>
           </a:p>
         </p:txBody>
@@ -1275,6 +1315,10 @@
           <a:bodyPr/>
           <a:lstStyle/>
           <a:p>
+            <a:r>
+              <a:rPr lang="nl-BE" dirty="0" smtClean="0"/>
+              <a:t>6 providers</a:t>
+            </a:r>
             <a:endParaRPr lang="nl-BE" dirty="0"/>
           </a:p>
         </p:txBody>
@@ -1681,7 +1725,7 @@
           <a:p>
             <a:fld id="{3B56552A-A423-4DEA-8814-987ABAD7CB5A}" type="datetime1">
               <a:rPr lang="nl-BE" smtClean="0"/>
-              <a:t>7/03/2016</a:t>
+              <a:t>8/03/2016</a:t>
             </a:fld>
             <a:endParaRPr lang="nl-BE"/>
           </a:p>
@@ -1804,7 +1848,7 @@
           <a:p>
             <a:fld id="{7F1132D7-42C0-4361-9E09-319D013DEE8D}" type="slidenum">
               <a:rPr lang="nl-BE" smtClean="0"/>
-              <a:t>‹#›</a:t>
+              <a:t>‹nr.›</a:t>
             </a:fld>
             <a:endParaRPr lang="nl-BE"/>
           </a:p>
@@ -2013,7 +2057,7 @@
           <a:p>
             <a:fld id="{437C149B-C6A1-42FF-A25D-7DB99A8656B8}" type="datetime1">
               <a:rPr lang="nl-BE" smtClean="0"/>
-              <a:t>7/03/2016</a:t>
+              <a:t>8/03/2016</a:t>
             </a:fld>
             <a:endParaRPr lang="nl-BE"/>
           </a:p>
@@ -2140,7 +2184,7 @@
           <a:p>
             <a:fld id="{7F1132D7-42C0-4361-9E09-319D013DEE8D}" type="slidenum">
               <a:rPr lang="nl-BE" smtClean="0"/>
-              <a:t>‹#›</a:t>
+              <a:t>‹nr.›</a:t>
             </a:fld>
             <a:endParaRPr lang="nl-BE"/>
           </a:p>
@@ -2412,7 +2456,7 @@
           <a:p>
             <a:fld id="{F2DFA47E-B16D-4A05-8297-D408EFF4B632}" type="datetime1">
               <a:rPr lang="nl-BE" smtClean="0"/>
-              <a:t>7/03/2016</a:t>
+              <a:t>8/03/2016</a:t>
             </a:fld>
             <a:endParaRPr lang="nl-BE"/>
           </a:p>
@@ -2539,7 +2583,7 @@
           <a:p>
             <a:fld id="{7F1132D7-42C0-4361-9E09-319D013DEE8D}" type="slidenum">
               <a:rPr lang="nl-BE" smtClean="0"/>
-              <a:t>‹#›</a:t>
+              <a:t>‹nr.›</a:t>
             </a:fld>
             <a:endParaRPr lang="nl-BE"/>
           </a:p>
@@ -2746,7 +2790,7 @@
           <a:p>
             <a:fld id="{853ED041-AE56-4ED5-9BCC-DA91DE637785}" type="datetime1">
               <a:rPr lang="nl-BE" smtClean="0"/>
-              <a:t>7/03/2016</a:t>
+              <a:t>8/03/2016</a:t>
             </a:fld>
             <a:endParaRPr lang="nl-BE"/>
           </a:p>
@@ -2873,7 +2917,7 @@
           <a:p>
             <a:fld id="{7F1132D7-42C0-4361-9E09-319D013DEE8D}" type="slidenum">
               <a:rPr lang="nl-BE" smtClean="0"/>
-              <a:t>‹#›</a:t>
+              <a:t>‹nr.›</a:t>
             </a:fld>
             <a:endParaRPr lang="nl-BE"/>
           </a:p>
@@ -3064,7 +3108,7 @@
           <a:p>
             <a:fld id="{2927293B-E7C3-4550-9DE6-65E60E353829}" type="datetime1">
               <a:rPr lang="nl-BE" smtClean="0"/>
-              <a:t>7/03/2016</a:t>
+              <a:t>8/03/2016</a:t>
             </a:fld>
             <a:endParaRPr lang="nl-BE"/>
           </a:p>
@@ -3191,7 +3235,7 @@
           <a:p>
             <a:fld id="{7F1132D7-42C0-4361-9E09-319D013DEE8D}" type="slidenum">
               <a:rPr lang="nl-BE" smtClean="0"/>
-              <a:t>‹#›</a:t>
+              <a:t>‹nr.›</a:t>
             </a:fld>
             <a:endParaRPr lang="nl-BE"/>
           </a:p>
@@ -3459,7 +3503,7 @@
           <a:p>
             <a:fld id="{2927293B-E7C3-4550-9DE6-65E60E353829}" type="datetime1">
               <a:rPr lang="nl-BE" smtClean="0"/>
-              <a:t>7/03/2016</a:t>
+              <a:t>8/03/2016</a:t>
             </a:fld>
             <a:endParaRPr lang="nl-BE"/>
           </a:p>
@@ -3586,7 +3630,7 @@
           <a:p>
             <a:fld id="{7F1132D7-42C0-4361-9E09-319D013DEE8D}" type="slidenum">
               <a:rPr lang="nl-BE" smtClean="0"/>
-              <a:t>‹#›</a:t>
+              <a:t>‹nr.›</a:t>
             </a:fld>
             <a:endParaRPr lang="nl-BE"/>
           </a:p>
@@ -3715,7 +3759,7 @@
           <a:p>
             <a:fld id="{25D3AC40-7580-432F-A62A-6F6C4015E123}" type="datetime1">
               <a:rPr lang="nl-BE" smtClean="0"/>
-              <a:t>7/03/2016</a:t>
+              <a:t>8/03/2016</a:t>
             </a:fld>
             <a:endParaRPr lang="nl-BE"/>
           </a:p>
@@ -3837,7 +3881,7 @@
           <a:p>
             <a:fld id="{7F1132D7-42C0-4361-9E09-319D013DEE8D}" type="slidenum">
               <a:rPr lang="nl-BE" smtClean="0"/>
-              <a:t>‹#›</a:t>
+              <a:t>‹nr.›</a:t>
             </a:fld>
             <a:endParaRPr lang="nl-BE"/>
           </a:p>
@@ -3975,7 +4019,7 @@
           <a:p>
             <a:fld id="{A1AAFCA9-10DE-4AD8-A234-BCB1F43257C9}" type="datetime1">
               <a:rPr lang="nl-BE" smtClean="0"/>
-              <a:t>7/03/2016</a:t>
+              <a:t>8/03/2016</a:t>
             </a:fld>
             <a:endParaRPr lang="nl-BE"/>
           </a:p>
@@ -4097,7 +4141,7 @@
           <a:p>
             <a:fld id="{7F1132D7-42C0-4361-9E09-319D013DEE8D}" type="slidenum">
               <a:rPr lang="nl-BE" smtClean="0"/>
-              <a:t>‹#›</a:t>
+              <a:t>‹nr.›</a:t>
             </a:fld>
             <a:endParaRPr lang="nl-BE"/>
           </a:p>
@@ -4235,7 +4279,7 @@
           <a:p>
             <a:fld id="{793E6EEF-CE9E-42AB-95AD-5F9B52EFC277}" type="datetime1">
               <a:rPr lang="nl-BE" smtClean="0"/>
-              <a:t>7/03/2016</a:t>
+              <a:t>8/03/2016</a:t>
             </a:fld>
             <a:endParaRPr lang="nl-BE"/>
           </a:p>
@@ -4357,7 +4401,7 @@
           <a:p>
             <a:fld id="{7F1132D7-42C0-4361-9E09-319D013DEE8D}" type="slidenum">
               <a:rPr lang="nl-BE" smtClean="0"/>
-              <a:t>‹#›</a:t>
+              <a:t>‹nr.›</a:t>
             </a:fld>
             <a:endParaRPr lang="nl-BE"/>
           </a:p>
@@ -4562,7 +4606,7 @@
           <a:p>
             <a:fld id="{666CC713-886F-442D-9B99-76CA3A79D367}" type="datetime1">
               <a:rPr lang="nl-BE" smtClean="0"/>
-              <a:t>7/03/2016</a:t>
+              <a:t>8/03/2016</a:t>
             </a:fld>
             <a:endParaRPr lang="nl-BE"/>
           </a:p>
@@ -4689,7 +4733,7 @@
           <a:p>
             <a:fld id="{7F1132D7-42C0-4361-9E09-319D013DEE8D}" type="slidenum">
               <a:rPr lang="nl-BE" smtClean="0"/>
-              <a:t>‹#›</a:t>
+              <a:t>‹nr.›</a:t>
             </a:fld>
             <a:endParaRPr lang="nl-BE"/>
           </a:p>
@@ -4883,7 +4927,7 @@
           <a:p>
             <a:fld id="{8C828718-23A0-4FA6-B802-2B34C4B243C0}" type="datetime1">
               <a:rPr lang="nl-BE" smtClean="0"/>
-              <a:t>7/03/2016</a:t>
+              <a:t>8/03/2016</a:t>
             </a:fld>
             <a:endParaRPr lang="nl-BE"/>
           </a:p>
@@ -5010,7 +5054,7 @@
           <a:p>
             <a:fld id="{7F1132D7-42C0-4361-9E09-319D013DEE8D}" type="slidenum">
               <a:rPr lang="nl-BE" smtClean="0"/>
-              <a:t>‹#›</a:t>
+              <a:t>‹nr.›</a:t>
             </a:fld>
             <a:endParaRPr lang="nl-BE"/>
           </a:p>
@@ -5338,7 +5382,7 @@
           <a:p>
             <a:fld id="{5CE31EA1-A0CF-47FA-9CEE-38CF082F22D7}" type="datetime1">
               <a:rPr lang="nl-BE" smtClean="0"/>
-              <a:t>7/03/2016</a:t>
+              <a:t>8/03/2016</a:t>
             </a:fld>
             <a:endParaRPr lang="nl-BE"/>
           </a:p>
@@ -5465,7 +5509,7 @@
           <a:p>
             <a:fld id="{7F1132D7-42C0-4361-9E09-319D013DEE8D}" type="slidenum">
               <a:rPr lang="nl-BE" smtClean="0"/>
-              <a:t>‹#›</a:t>
+              <a:t>‹nr.›</a:t>
             </a:fld>
             <a:endParaRPr lang="nl-BE"/>
           </a:p>
@@ -5546,7 +5590,7 @@
           <a:p>
             <a:fld id="{5B9B8475-3D9B-4D79-B7B2-E0DC68A8C6E2}" type="datetime1">
               <a:rPr lang="nl-BE" smtClean="0"/>
-              <a:t>7/03/2016</a:t>
+              <a:t>8/03/2016</a:t>
             </a:fld>
             <a:endParaRPr lang="nl-BE"/>
           </a:p>
@@ -5668,7 +5712,7 @@
           <a:p>
             <a:fld id="{7F1132D7-42C0-4361-9E09-319D013DEE8D}" type="slidenum">
               <a:rPr lang="nl-BE" smtClean="0"/>
-              <a:t>‹#›</a:t>
+              <a:t>‹nr.›</a:t>
             </a:fld>
             <a:endParaRPr lang="nl-BE"/>
           </a:p>
@@ -5721,7 +5765,7 @@
           <a:p>
             <a:fld id="{33468E7D-8546-4381-BDFC-32635D47DA3D}" type="datetime1">
               <a:rPr lang="nl-BE" smtClean="0"/>
-              <a:t>7/03/2016</a:t>
+              <a:t>8/03/2016</a:t>
             </a:fld>
             <a:endParaRPr lang="nl-BE"/>
           </a:p>
@@ -5843,7 +5887,7 @@
           <a:p>
             <a:fld id="{7F1132D7-42C0-4361-9E09-319D013DEE8D}" type="slidenum">
               <a:rPr lang="nl-BE" smtClean="0"/>
-              <a:t>‹#›</a:t>
+              <a:t>‹nr.›</a:t>
             </a:fld>
             <a:endParaRPr lang="nl-BE"/>
           </a:p>
@@ -6052,7 +6096,7 @@
           <a:p>
             <a:fld id="{4926CAD3-17AA-4E9C-A5BA-58233F3BF7A0}" type="datetime1">
               <a:rPr lang="nl-BE" smtClean="0"/>
-              <a:t>7/03/2016</a:t>
+              <a:t>8/03/2016</a:t>
             </a:fld>
             <a:endParaRPr lang="nl-BE"/>
           </a:p>
@@ -6174,7 +6218,7 @@
           <a:p>
             <a:fld id="{7F1132D7-42C0-4361-9E09-319D013DEE8D}" type="slidenum">
               <a:rPr lang="nl-BE" smtClean="0"/>
-              <a:t>‹#›</a:t>
+              <a:t>‹nr.›</a:t>
             </a:fld>
             <a:endParaRPr lang="nl-BE"/>
           </a:p>
@@ -6395,7 +6439,7 @@
           <a:p>
             <a:fld id="{D00752F5-8691-48E5-BA0D-1C6C0EF1C408}" type="datetime1">
               <a:rPr lang="nl-BE" smtClean="0"/>
-              <a:t>7/03/2016</a:t>
+              <a:t>8/03/2016</a:t>
             </a:fld>
             <a:endParaRPr lang="nl-BE"/>
           </a:p>
@@ -6522,7 +6566,7 @@
           <a:p>
             <a:fld id="{7F1132D7-42C0-4361-9E09-319D013DEE8D}" type="slidenum">
               <a:rPr lang="nl-BE" smtClean="0"/>
-              <a:t>‹#›</a:t>
+              <a:t>‹nr.›</a:t>
             </a:fld>
             <a:endParaRPr lang="nl-BE"/>
           </a:p>
@@ -8510,7 +8554,7 @@
           <a:p>
             <a:fld id="{2927293B-E7C3-4550-9DE6-65E60E353829}" type="datetime1">
               <a:rPr lang="nl-BE" smtClean="0"/>
-              <a:t>7/03/2016</a:t>
+              <a:t>8/03/2016</a:t>
             </a:fld>
             <a:endParaRPr lang="nl-BE"/>
           </a:p>
@@ -8586,7 +8630,7 @@
           <a:p>
             <a:fld id="{7F1132D7-42C0-4361-9E09-319D013DEE8D}" type="slidenum">
               <a:rPr lang="nl-BE" smtClean="0"/>
-              <a:t>‹#›</a:t>
+              <a:t>‹nr.›</a:t>
             </a:fld>
             <a:endParaRPr lang="nl-BE"/>
           </a:p>
@@ -9329,6 +9373,13 @@
   <p:clrMapOvr>
     <a:masterClrMapping/>
   </p:clrMapOvr>
+  <p:timing>
+    <p:tnLst>
+      <p:par>
+        <p:cTn id="1" dur="indefinite" restart="never" nodeType="tmRoot"/>
+      </p:par>
+    </p:tnLst>
+  </p:timing>
 </p:sld>
 </file>
 
@@ -9411,9 +9462,23 @@
             </a:r>
             <a:r>
               <a:rPr lang="fr-BE" sz="2200" dirty="0" smtClean="0"/>
-              <a:t> providers</a:t>
-            </a:r>
-            <a:endParaRPr lang="fr-BE" sz="2200" dirty="0" smtClean="0"/>
+              <a:t> </a:t>
+            </a:r>
+            <a:r>
+              <a:rPr lang="fr-BE" sz="2200" dirty="0" smtClean="0"/>
+              <a:t>providers</a:t>
+            </a:r>
+          </a:p>
+          <a:p>
+            <a:r>
+              <a:rPr lang="fr-BE" sz="2400" dirty="0" err="1" smtClean="0"/>
+              <a:t>Uitbreiding</a:t>
+            </a:r>
+            <a:r>
+              <a:rPr lang="fr-BE" sz="2400" dirty="0" smtClean="0"/>
+              <a:t> GUI</a:t>
+            </a:r>
+            <a:endParaRPr lang="fr-BE" sz="2400" dirty="0" smtClean="0"/>
           </a:p>
           <a:p>
             <a:r>
@@ -10218,9 +10283,16 @@
           </a:p>
           <a:p>
             <a:r>
-              <a:rPr lang="nl-BE" sz="2400" dirty="0"/>
-              <a:t>Veiligheid</a:t>
-            </a:r>
+              <a:rPr lang="nl-BE" sz="2400" dirty="0" smtClean="0"/>
+              <a:t>Weggebruikers Gent</a:t>
+            </a:r>
+          </a:p>
+          <a:p>
+            <a:r>
+              <a:rPr lang="nl-BE" sz="2400" dirty="0" smtClean="0"/>
+              <a:t>Mobiliteitsplan</a:t>
+            </a:r>
+            <a:endParaRPr lang="nl-BE" sz="2400" dirty="0"/>
           </a:p>
           <a:p>
             <a:r>
@@ -11582,7 +11654,7 @@
             </a:r>
             <a:r>
               <a:rPr lang="nl-BE" dirty="0" smtClean="0"/>
-              <a:t>Database</a:t>
+              <a:t>database</a:t>
             </a:r>
             <a:endParaRPr lang="nl-BE" dirty="0"/>
           </a:p>
@@ -11694,7 +11766,7 @@
         <p:nvPicPr>
           <p:cNvPr id="6" name="Content Placeholder 5"/>
           <p:cNvPicPr>
-            <a:picLocks noGrp="1"/>
+            <a:picLocks noGrp="1" noChangeAspect="1"/>
           </p:cNvPicPr>
           <p:nvPr>
             <p:ph sz="half" idx="2"/>
@@ -11714,8 +11786,8 @@
         </p:blipFill>
         <p:spPr>
           <a:xfrm>
-            <a:off x="5337175" y="3299767"/>
-            <a:ext cx="3197225" cy="1441153"/>
+            <a:off x="4982330" y="2712913"/>
+            <a:ext cx="3594002" cy="1620000"/>
           </a:xfrm>
           <a:prstGeom prst="rect">
             <a:avLst/>
@@ -11778,11 +11850,7 @@
           <a:p>
             <a:r>
               <a:rPr lang="nl-BE" dirty="0" smtClean="0"/>
-              <a:t>De status van het project – </a:t>
-            </a:r>
-            <a:r>
-              <a:rPr lang="nl-BE" dirty="0" smtClean="0"/>
-              <a:t>Backend</a:t>
+              <a:t>De status van het project – Backend</a:t>
             </a:r>
             <a:endParaRPr lang="nl-BE" dirty="0"/>
           </a:p>
@@ -11824,8 +11892,20 @@
             </a:r>
             <a:r>
               <a:rPr lang="en-US" dirty="0" smtClean="0"/>
-              <a:t> API calls</a:t>
-            </a:r>
+              <a:t> API </a:t>
+            </a:r>
+            <a:r>
+              <a:rPr lang="en-US" dirty="0" smtClean="0"/>
+              <a:t>calls</a:t>
+            </a:r>
+          </a:p>
+          <a:p>
+            <a:pPr lvl="1"/>
+            <a:r>
+              <a:rPr lang="en-US" dirty="0" err="1" smtClean="0"/>
+              <a:t>DBController</a:t>
+            </a:r>
+            <a:endParaRPr lang="en-US" dirty="0" smtClean="0"/>
           </a:p>
           <a:p>
             <a:pPr lvl="1"/>
@@ -11896,7 +11976,7 @@
         </p:blipFill>
         <p:spPr>
           <a:xfrm>
-            <a:off x="5337175" y="2572519"/>
+            <a:off x="5337175" y="2558871"/>
             <a:ext cx="3197225" cy="2895650"/>
           </a:xfrm>
           <a:prstGeom prst="rect">
